--- a/imagens/slaid/Apresentação1.pptx
+++ b/imagens/slaid/Apresentação1.pptx
@@ -288,7 +288,8 @@
           <a:p>
             <a:fld id="{8D322095-BB5B-4E39-BFF1-879F92F1D626}" type="datetimeFigureOut">
               <a:rPr lang="pt-BR" smtClean="0"/>
-              <a:t>30/09/2018</a:t>
+              <a:pPr/>
+              <a:t>11/10/2018</a:t>
             </a:fld>
             <a:endParaRPr lang="pt-BR"/>
           </a:p>
@@ -330,6 +331,7 @@
           <a:p>
             <a:fld id="{04A1CE9C-0348-41E9-880D-3C86601399AF}" type="slidenum">
               <a:rPr lang="pt-BR" smtClean="0"/>
+              <a:pPr/>
               <a:t>‹nº›</a:t>
             </a:fld>
             <a:endParaRPr lang="pt-BR"/>
@@ -453,7 +455,8 @@
           <a:p>
             <a:fld id="{8D322095-BB5B-4E39-BFF1-879F92F1D626}" type="datetimeFigureOut">
               <a:rPr lang="pt-BR" smtClean="0"/>
-              <a:t>30/09/2018</a:t>
+              <a:pPr/>
+              <a:t>11/10/2018</a:t>
             </a:fld>
             <a:endParaRPr lang="pt-BR"/>
           </a:p>
@@ -495,6 +498,7 @@
           <a:p>
             <a:fld id="{04A1CE9C-0348-41E9-880D-3C86601399AF}" type="slidenum">
               <a:rPr lang="pt-BR" smtClean="0"/>
+              <a:pPr/>
               <a:t>‹nº›</a:t>
             </a:fld>
             <a:endParaRPr lang="pt-BR"/>
@@ -628,7 +632,8 @@
           <a:p>
             <a:fld id="{8D322095-BB5B-4E39-BFF1-879F92F1D626}" type="datetimeFigureOut">
               <a:rPr lang="pt-BR" smtClean="0"/>
-              <a:t>30/09/2018</a:t>
+              <a:pPr/>
+              <a:t>11/10/2018</a:t>
             </a:fld>
             <a:endParaRPr lang="pt-BR"/>
           </a:p>
@@ -670,6 +675,7 @@
           <a:p>
             <a:fld id="{04A1CE9C-0348-41E9-880D-3C86601399AF}" type="slidenum">
               <a:rPr lang="pt-BR" smtClean="0"/>
+              <a:pPr/>
               <a:t>‹nº›</a:t>
             </a:fld>
             <a:endParaRPr lang="pt-BR"/>
@@ -793,7 +799,8 @@
           <a:p>
             <a:fld id="{8D322095-BB5B-4E39-BFF1-879F92F1D626}" type="datetimeFigureOut">
               <a:rPr lang="pt-BR" smtClean="0"/>
-              <a:t>30/09/2018</a:t>
+              <a:pPr/>
+              <a:t>11/10/2018</a:t>
             </a:fld>
             <a:endParaRPr lang="pt-BR"/>
           </a:p>
@@ -835,6 +842,7 @@
           <a:p>
             <a:fld id="{04A1CE9C-0348-41E9-880D-3C86601399AF}" type="slidenum">
               <a:rPr lang="pt-BR" smtClean="0"/>
+              <a:pPr/>
               <a:t>‹nº›</a:t>
             </a:fld>
             <a:endParaRPr lang="pt-BR"/>
@@ -1034,7 +1042,8 @@
           <a:p>
             <a:fld id="{8D322095-BB5B-4E39-BFF1-879F92F1D626}" type="datetimeFigureOut">
               <a:rPr lang="pt-BR" smtClean="0"/>
-              <a:t>30/09/2018</a:t>
+              <a:pPr/>
+              <a:t>11/10/2018</a:t>
             </a:fld>
             <a:endParaRPr lang="pt-BR"/>
           </a:p>
@@ -1076,6 +1085,7 @@
           <a:p>
             <a:fld id="{04A1CE9C-0348-41E9-880D-3C86601399AF}" type="slidenum">
               <a:rPr lang="pt-BR" smtClean="0"/>
+              <a:pPr/>
               <a:t>‹nº›</a:t>
             </a:fld>
             <a:endParaRPr lang="pt-BR"/>
@@ -1317,7 +1327,8 @@
           <a:p>
             <a:fld id="{8D322095-BB5B-4E39-BFF1-879F92F1D626}" type="datetimeFigureOut">
               <a:rPr lang="pt-BR" smtClean="0"/>
-              <a:t>30/09/2018</a:t>
+              <a:pPr/>
+              <a:t>11/10/2018</a:t>
             </a:fld>
             <a:endParaRPr lang="pt-BR"/>
           </a:p>
@@ -1359,6 +1370,7 @@
           <a:p>
             <a:fld id="{04A1CE9C-0348-41E9-880D-3C86601399AF}" type="slidenum">
               <a:rPr lang="pt-BR" smtClean="0"/>
+              <a:pPr/>
               <a:t>‹nº›</a:t>
             </a:fld>
             <a:endParaRPr lang="pt-BR"/>
@@ -1734,7 +1746,8 @@
           <a:p>
             <a:fld id="{8D322095-BB5B-4E39-BFF1-879F92F1D626}" type="datetimeFigureOut">
               <a:rPr lang="pt-BR" smtClean="0"/>
-              <a:t>30/09/2018</a:t>
+              <a:pPr/>
+              <a:t>11/10/2018</a:t>
             </a:fld>
             <a:endParaRPr lang="pt-BR"/>
           </a:p>
@@ -1776,6 +1789,7 @@
           <a:p>
             <a:fld id="{04A1CE9C-0348-41E9-880D-3C86601399AF}" type="slidenum">
               <a:rPr lang="pt-BR" smtClean="0"/>
+              <a:pPr/>
               <a:t>‹nº›</a:t>
             </a:fld>
             <a:endParaRPr lang="pt-BR"/>
@@ -1847,7 +1861,8 @@
           <a:p>
             <a:fld id="{8D322095-BB5B-4E39-BFF1-879F92F1D626}" type="datetimeFigureOut">
               <a:rPr lang="pt-BR" smtClean="0"/>
-              <a:t>30/09/2018</a:t>
+              <a:pPr/>
+              <a:t>11/10/2018</a:t>
             </a:fld>
             <a:endParaRPr lang="pt-BR"/>
           </a:p>
@@ -1889,6 +1904,7 @@
           <a:p>
             <a:fld id="{04A1CE9C-0348-41E9-880D-3C86601399AF}" type="slidenum">
               <a:rPr lang="pt-BR" smtClean="0"/>
+              <a:pPr/>
               <a:t>‹nº›</a:t>
             </a:fld>
             <a:endParaRPr lang="pt-BR"/>
@@ -1937,7 +1953,8 @@
           <a:p>
             <a:fld id="{8D322095-BB5B-4E39-BFF1-879F92F1D626}" type="datetimeFigureOut">
               <a:rPr lang="pt-BR" smtClean="0"/>
-              <a:t>30/09/2018</a:t>
+              <a:pPr/>
+              <a:t>11/10/2018</a:t>
             </a:fld>
             <a:endParaRPr lang="pt-BR"/>
           </a:p>
@@ -1979,6 +1996,7 @@
           <a:p>
             <a:fld id="{04A1CE9C-0348-41E9-880D-3C86601399AF}" type="slidenum">
               <a:rPr lang="pt-BR" smtClean="0"/>
+              <a:pPr/>
               <a:t>‹nº›</a:t>
             </a:fld>
             <a:endParaRPr lang="pt-BR"/>
@@ -2209,7 +2227,8 @@
           <a:p>
             <a:fld id="{8D322095-BB5B-4E39-BFF1-879F92F1D626}" type="datetimeFigureOut">
               <a:rPr lang="pt-BR" smtClean="0"/>
-              <a:t>30/09/2018</a:t>
+              <a:pPr/>
+              <a:t>11/10/2018</a:t>
             </a:fld>
             <a:endParaRPr lang="pt-BR"/>
           </a:p>
@@ -2251,6 +2270,7 @@
           <a:p>
             <a:fld id="{04A1CE9C-0348-41E9-880D-3C86601399AF}" type="slidenum">
               <a:rPr lang="pt-BR" smtClean="0"/>
+              <a:pPr/>
               <a:t>‹nº›</a:t>
             </a:fld>
             <a:endParaRPr lang="pt-BR"/>
@@ -2457,7 +2477,8 @@
           <a:p>
             <a:fld id="{8D322095-BB5B-4E39-BFF1-879F92F1D626}" type="datetimeFigureOut">
               <a:rPr lang="pt-BR" smtClean="0"/>
-              <a:t>30/09/2018</a:t>
+              <a:pPr/>
+              <a:t>11/10/2018</a:t>
             </a:fld>
             <a:endParaRPr lang="pt-BR"/>
           </a:p>
@@ -2499,6 +2520,7 @@
           <a:p>
             <a:fld id="{04A1CE9C-0348-41E9-880D-3C86601399AF}" type="slidenum">
               <a:rPr lang="pt-BR" smtClean="0"/>
+              <a:pPr/>
               <a:t>‹nº›</a:t>
             </a:fld>
             <a:endParaRPr lang="pt-BR"/>
@@ -2665,7 +2687,8 @@
           <a:p>
             <a:fld id="{8D322095-BB5B-4E39-BFF1-879F92F1D626}" type="datetimeFigureOut">
               <a:rPr lang="pt-BR" smtClean="0"/>
-              <a:t>30/09/2018</a:t>
+              <a:pPr/>
+              <a:t>11/10/2018</a:t>
             </a:fld>
             <a:endParaRPr lang="pt-BR"/>
           </a:p>
@@ -2743,6 +2766,7 @@
           <a:p>
             <a:fld id="{04A1CE9C-0348-41E9-880D-3C86601399AF}" type="slidenum">
               <a:rPr lang="pt-BR" smtClean="0"/>
+              <a:pPr/>
               <a:t>‹nº›</a:t>
             </a:fld>
             <a:endParaRPr lang="pt-BR"/>
@@ -3021,6 +3045,16 @@
 <file path=ppt/slides/slide1.xml><?xml version="1.0" encoding="utf-8"?>
 <p:sld xmlns:a="http://schemas.openxmlformats.org/drawingml/2006/main" xmlns:r="http://schemas.openxmlformats.org/officeDocument/2006/relationships" xmlns:p="http://schemas.openxmlformats.org/presentationml/2006/main">
   <p:cSld>
+    <p:bg>
+      <p:bgPr>
+        <a:solidFill>
+          <a:schemeClr val="accent6">
+            <a:lumMod val="75000"/>
+          </a:schemeClr>
+        </a:solidFill>
+        <a:effectLst/>
+      </p:bgPr>
+    </p:bg>
     <p:spTree>
       <p:nvGrpSpPr>
         <p:cNvPr id="1" name=""/>
@@ -3037,7 +3071,7 @@
       </p:grpSpPr>
       <p:pic>
         <p:nvPicPr>
-          <p:cNvPr id="1032" name="Picture 8" descr="C:\Users\ADS\Documents\GitHub\Pronto Informática\css\imagens\slaid\gdoor-pro-2017-nf-e-ecf-sintegra-frente-ca4.jpg"/>
+          <p:cNvPr id="1026" name="Picture 2" descr="C:\Users\ADS\Documents\serviço\013827083738805.jpg"/>
           <p:cNvPicPr>
             <a:picLocks noChangeAspect="1" noChangeArrowheads="1"/>
           </p:cNvPicPr>
@@ -3045,7 +3079,7 @@
         </p:nvPicPr>
         <p:blipFill>
           <a:blip r:embed="rId2"/>
-          <a:srcRect l="6250" t="3699" r="6250" b="5904"/>
+          <a:srcRect b="12425"/>
           <a:stretch>
             <a:fillRect/>
           </a:stretch>
@@ -3053,7 +3087,59 @@
         <p:spPr bwMode="auto">
           <a:xfrm>
             <a:off x="0" y="0"/>
-            <a:ext cx="9144000" cy="3240088"/>
+            <a:ext cx="4892669" cy="3240088"/>
+          </a:xfrm>
+          <a:prstGeom prst="rect">
+            <a:avLst/>
+          </a:prstGeom>
+          <a:noFill/>
+        </p:spPr>
+      </p:pic>
+      <p:pic>
+        <p:nvPicPr>
+          <p:cNvPr id="1027" name="Picture 3" descr="C:\Users\ADS\Documents\serviço\12935036_716617231773940_1643144025_n.jpg"/>
+          <p:cNvPicPr>
+            <a:picLocks noChangeAspect="1" noChangeArrowheads="1"/>
+          </p:cNvPicPr>
+          <p:nvPr/>
+        </p:nvPicPr>
+        <p:blipFill>
+          <a:blip r:embed="rId3"/>
+          <a:srcRect/>
+          <a:stretch>
+            <a:fillRect/>
+          </a:stretch>
+        </p:blipFill>
+        <p:spPr bwMode="auto">
+          <a:xfrm>
+            <a:off x="4857752" y="0"/>
+            <a:ext cx="4286248" cy="3240088"/>
+          </a:xfrm>
+          <a:prstGeom prst="rect">
+            <a:avLst/>
+          </a:prstGeom>
+          <a:noFill/>
+        </p:spPr>
+      </p:pic>
+      <p:pic>
+        <p:nvPicPr>
+          <p:cNvPr id="1028" name="Picture 4" descr="C:\Users\ADS\Documents\serviço\maxresdefault.jpg"/>
+          <p:cNvPicPr>
+            <a:picLocks noChangeAspect="1" noChangeArrowheads="1"/>
+          </p:cNvPicPr>
+          <p:nvPr/>
+        </p:nvPicPr>
+        <p:blipFill>
+          <a:blip r:embed="rId4"/>
+          <a:srcRect t="58675"/>
+          <a:stretch>
+            <a:fillRect/>
+          </a:stretch>
+        </p:blipFill>
+        <p:spPr bwMode="auto">
+          <a:xfrm>
+            <a:off x="4857752" y="977102"/>
+            <a:ext cx="4286248" cy="785818"/>
           </a:xfrm>
           <a:prstGeom prst="rect">
             <a:avLst/>
